--- a/lezioni/tensore dello sforzo.pptx
+++ b/lezioni/tensore dello sforzo.pptx
@@ -6,28 +6,29 @@
   </p:sldMasterIdLst>
   <p:sldIdLst>
     <p:sldId id="256" r:id="rId2"/>
-    <p:sldId id="289" r:id="rId3"/>
-    <p:sldId id="290" r:id="rId4"/>
-    <p:sldId id="288" r:id="rId5"/>
-    <p:sldId id="259" r:id="rId6"/>
-    <p:sldId id="260" r:id="rId7"/>
-    <p:sldId id="262" r:id="rId8"/>
-    <p:sldId id="263" r:id="rId9"/>
-    <p:sldId id="264" r:id="rId10"/>
-    <p:sldId id="257" r:id="rId11"/>
-    <p:sldId id="265" r:id="rId12"/>
-    <p:sldId id="266" r:id="rId13"/>
-    <p:sldId id="267" r:id="rId14"/>
-    <p:sldId id="268" r:id="rId15"/>
-    <p:sldId id="269" r:id="rId16"/>
-    <p:sldId id="273" r:id="rId17"/>
-    <p:sldId id="270" r:id="rId18"/>
-    <p:sldId id="272" r:id="rId19"/>
-    <p:sldId id="278" r:id="rId20"/>
-    <p:sldId id="279" r:id="rId21"/>
-    <p:sldId id="276" r:id="rId22"/>
-    <p:sldId id="277" r:id="rId23"/>
-    <p:sldId id="280" r:id="rId24"/>
+    <p:sldId id="292" r:id="rId3"/>
+    <p:sldId id="289" r:id="rId4"/>
+    <p:sldId id="290" r:id="rId5"/>
+    <p:sldId id="288" r:id="rId6"/>
+    <p:sldId id="259" r:id="rId7"/>
+    <p:sldId id="260" r:id="rId8"/>
+    <p:sldId id="262" r:id="rId9"/>
+    <p:sldId id="263" r:id="rId10"/>
+    <p:sldId id="264" r:id="rId11"/>
+    <p:sldId id="257" r:id="rId12"/>
+    <p:sldId id="265" r:id="rId13"/>
+    <p:sldId id="266" r:id="rId14"/>
+    <p:sldId id="267" r:id="rId15"/>
+    <p:sldId id="268" r:id="rId16"/>
+    <p:sldId id="269" r:id="rId17"/>
+    <p:sldId id="273" r:id="rId18"/>
+    <p:sldId id="270" r:id="rId19"/>
+    <p:sldId id="272" r:id="rId20"/>
+    <p:sldId id="278" r:id="rId21"/>
+    <p:sldId id="279" r:id="rId22"/>
+    <p:sldId id="276" r:id="rId23"/>
+    <p:sldId id="277" r:id="rId24"/>
+    <p:sldId id="280" r:id="rId25"/>
   </p:sldIdLst>
   <p:sldSz cx="12192000" cy="6858000"/>
   <p:notesSz cx="6858000" cy="9144000"/>
@@ -4471,6 +4472,181 @@
           <a:chExt cx="0" cy="0"/>
         </a:xfrm>
       </p:grpSpPr>
+      <p:sp>
+        <p:nvSpPr>
+          <p:cNvPr id="2" name="Title 1">
+            <a:extLst>
+              <a:ext uri="{FF2B5EF4-FFF2-40B4-BE49-F238E27FC236}">
+                <a16:creationId xmlns:a16="http://schemas.microsoft.com/office/drawing/2014/main" id="{AD702CEA-D047-9AD9-0CAC-067A7674E3F5}"/>
+              </a:ext>
+            </a:extLst>
+          </p:cNvPr>
+          <p:cNvSpPr>
+            <a:spLocks noGrp="1"/>
+          </p:cNvSpPr>
+          <p:nvPr>
+            <p:ph type="title"/>
+          </p:nvPr>
+        </p:nvSpPr>
+        <p:spPr>
+          <a:xfrm>
+            <a:off x="838200" y="365126"/>
+            <a:ext cx="10515600" cy="449884"/>
+          </a:xfrm>
+        </p:spPr>
+        <p:txBody>
+          <a:bodyPr>
+            <a:normAutofit fontScale="90000"/>
+          </a:bodyPr>
+          <a:lstStyle/>
+          <a:p>
+            <a:r>
+              <a:rPr lang="en-GB" b="1" i="0" u="none" strike="noStrike" dirty="0" err="1">
+                <a:solidFill>
+                  <a:srgbClr val="357B7B"/>
+                </a:solidFill>
+                <a:effectLst/>
+                <a:latin typeface="freight-text-pro"/>
+              </a:rPr>
+              <a:t>Dimostrazione</a:t>
+            </a:r>
+            <a:r>
+              <a:rPr lang="en-GB" b="1" i="0" u="none" strike="noStrike" dirty="0">
+                <a:solidFill>
+                  <a:srgbClr val="357B7B"/>
+                </a:solidFill>
+                <a:effectLst/>
+                <a:latin typeface="freight-text-pro"/>
+              </a:rPr>
+              <a:t> </a:t>
+            </a:r>
+            <a:r>
+              <a:rPr lang="en-GB" b="1" i="0" u="none" strike="noStrike" dirty="0" err="1">
+                <a:solidFill>
+                  <a:srgbClr val="357B7B"/>
+                </a:solidFill>
+                <a:effectLst/>
+                <a:latin typeface="freight-text-pro"/>
+              </a:rPr>
+              <a:t>della</a:t>
+            </a:r>
+            <a:r>
+              <a:rPr lang="en-GB" b="1" i="0" u="none" strike="noStrike" dirty="0">
+                <a:solidFill>
+                  <a:srgbClr val="357B7B"/>
+                </a:solidFill>
+                <a:effectLst/>
+                <a:latin typeface="freight-text-pro"/>
+              </a:rPr>
+              <a:t> Formula di Cauchy</a:t>
+            </a:r>
+            <a:br>
+              <a:rPr lang="en-GB" b="1" i="0" u="none" strike="noStrike" dirty="0">
+                <a:solidFill>
+                  <a:srgbClr val="357B7B"/>
+                </a:solidFill>
+                <a:effectLst/>
+                <a:latin typeface="freight-text-pro"/>
+              </a:rPr>
+            </a:br>
+            <a:endParaRPr lang="en-IT" dirty="0"/>
+          </a:p>
+        </p:txBody>
+      </p:sp>
+      <p:pic>
+        <p:nvPicPr>
+          <p:cNvPr id="8" name="Picture 7" descr="\documentclass{article}&#10;\usepackage{amsmath,bbm,mathrsfs}&#10;\setlength\parindent{0em}&#10;\pagestyle{empty}&#10;\begin{document}&#10;&#10;  \begin{itemize}&#10;    \item Si vuole ora stabilire la relazione tra il vettore della tensione $\mathbf{t}_n$ e il tensore degli sforzi $\mathbf{T}$ per l'equilibrio del solido.&#10;    \item Equilibrio di ogni parte del corpo: equilibrio delle forze e dei momenti.&#10;    \item Si considera un punto $P$ all'interno del solido e un tetraedro di Cauchy con superficie normale $\mathbf{n}$ e piani $-\mathbf{i},-\mathbf{j},-\mathbf{k}$, Fig. 14.5a.&#10;    \item L'equilibrio delle forze sul tetraedro, considerando la forza di volume $\mathbf{b} \Delta V$:&#10;    $$&#10;    \mathbf{t}_n \Delta A_n + \mathbf{t}_{-x} \Delta A_x + \mathbf{t}_{-y} \Delta A_y + \mathbf{t}_{-z} \Delta A_z + \mathbf{b} \Delta V = \mathbf{0}&#10;    $$&#10;    \item Usando il lemma di Cauchy, $\mathbf{t}_{-x} = -\mathbf{t}_x, \ldots$, e dividendo ambo i membri per $\Delta A_n$:&#10;    $$&#10;    \mathbf{t}_n - \mathbf{t}_x \frac{\Delta A_x}{\Delta A_n} - \mathbf{t}_y \frac{\Delta A_y}{\Delta A_n} - \mathbf{t}_z \frac{\Delta A_z}{\Delta A_n} + \mathbf{b} \frac{\Delta V}{\Delta A_n} = \mathbf{0}&#10;    $$&#10;    \item Al limite per $\Delta A_n \rightarrow 0$, mantenendo la giacitura di normale $\mathbf{n}$ parallela a se stessa, si ottiene la formula fondamentale di Cauchy:&#10;    $$&#10;    \mathbf{t}_n = \mathbf{t}_x \alpha + \mathbf{t}_y \beta + \mathbf{t}_z \gamma&#10;    $$&#10;    dove $\alpha$, $\beta$ e $\gamma$ sono i coseni direttori di $\mathbf{n}$.&#10;  \end{itemize}&#10;&#10;&#10;\end{document}" title="IguanaTex Bitmap Display">
+            <a:extLst>
+              <a:ext uri="{FF2B5EF4-FFF2-40B4-BE49-F238E27FC236}">
+                <a16:creationId xmlns:a16="http://schemas.microsoft.com/office/drawing/2014/main" id="{4C255791-AEFC-B87C-363C-91BF3DEDA11A}"/>
+              </a:ext>
+            </a:extLst>
+          </p:cNvPr>
+          <p:cNvPicPr>
+            <a:picLocks noChangeAspect="1"/>
+          </p:cNvPicPr>
+          <p:nvPr>
+            <p:custDataLst>
+              <p:tags r:id="rId1"/>
+            </p:custDataLst>
+          </p:nvPr>
+        </p:nvPicPr>
+        <p:blipFill>
+          <a:blip r:embed="rId3"/>
+          <a:stretch>
+            <a:fillRect/>
+          </a:stretch>
+        </p:blipFill>
+        <p:spPr>
+          <a:xfrm>
+            <a:off x="5754755" y="964654"/>
+            <a:ext cx="6100417" cy="4928691"/>
+          </a:xfrm>
+          <a:prstGeom prst="rect">
+            <a:avLst/>
+          </a:prstGeom>
+        </p:spPr>
+      </p:pic>
+      <p:pic>
+        <p:nvPicPr>
+          <p:cNvPr id="6" name="Picture 5">
+            <a:extLst>
+              <a:ext uri="{FF2B5EF4-FFF2-40B4-BE49-F238E27FC236}">
+                <a16:creationId xmlns:a16="http://schemas.microsoft.com/office/drawing/2014/main" id="{572DC445-46EB-60EB-5369-4F3E493BBDED}"/>
+              </a:ext>
+            </a:extLst>
+          </p:cNvPr>
+          <p:cNvPicPr>
+            <a:picLocks noChangeAspect="1"/>
+          </p:cNvPicPr>
+          <p:nvPr/>
+        </p:nvPicPr>
+        <p:blipFill>
+          <a:blip r:embed="rId4"/>
+          <a:stretch>
+            <a:fillRect/>
+          </a:stretch>
+        </p:blipFill>
+        <p:spPr>
+          <a:xfrm>
+            <a:off x="445880" y="1339022"/>
+            <a:ext cx="4660900" cy="4152900"/>
+          </a:xfrm>
+          <a:prstGeom prst="rect">
+            <a:avLst/>
+          </a:prstGeom>
+        </p:spPr>
+      </p:pic>
+    </p:spTree>
+    <p:extLst>
+      <p:ext uri="{BB962C8B-B14F-4D97-AF65-F5344CB8AC3E}">
+        <p14:creationId xmlns:p14="http://schemas.microsoft.com/office/powerpoint/2010/main" val="1208998610"/>
+      </p:ext>
+    </p:extLst>
+  </p:cSld>
+  <p:clrMapOvr>
+    <a:masterClrMapping/>
+  </p:clrMapOvr>
+</p:sld>
+</file>
+
+<file path=ppt/slides/slide11.xml><?xml version="1.0" encoding="utf-8"?>
+<p:sld xmlns:a="http://schemas.openxmlformats.org/drawingml/2006/main" xmlns:r="http://schemas.openxmlformats.org/officeDocument/2006/relationships" xmlns:p="http://schemas.openxmlformats.org/presentationml/2006/main">
+  <p:cSld>
+    <p:spTree>
+      <p:nvGrpSpPr>
+        <p:cNvPr id="1" name=""/>
+        <p:cNvGrpSpPr/>
+        <p:nvPr/>
+      </p:nvGrpSpPr>
+      <p:grpSpPr>
+        <a:xfrm>
+          <a:off x="0" y="0"/>
+          <a:ext cx="0" cy="0"/>
+          <a:chOff x="0" y="0"/>
+          <a:chExt cx="0" cy="0"/>
+        </a:xfrm>
+      </p:grpSpPr>
       <p:pic>
         <p:nvPicPr>
           <p:cNvPr id="1026" name="Picture 2">
@@ -4599,7 +4775,7 @@
 </p:sld>
 </file>
 
-<file path=ppt/slides/slide11.xml><?xml version="1.0" encoding="utf-8"?>
+<file path=ppt/slides/slide12.xml><?xml version="1.0" encoding="utf-8"?>
 <p:sld xmlns:a="http://schemas.openxmlformats.org/drawingml/2006/main" xmlns:r="http://schemas.openxmlformats.org/officeDocument/2006/relationships" xmlns:p="http://schemas.openxmlformats.org/presentationml/2006/main">
   <p:cSld>
     <p:spTree>
@@ -4734,7 +4910,7 @@
 </p:sld>
 </file>
 
-<file path=ppt/slides/slide12.xml><?xml version="1.0" encoding="utf-8"?>
+<file path=ppt/slides/slide13.xml><?xml version="1.0" encoding="utf-8"?>
 <p:sld xmlns:a="http://schemas.openxmlformats.org/drawingml/2006/main" xmlns:r="http://schemas.openxmlformats.org/officeDocument/2006/relationships" xmlns:p="http://schemas.openxmlformats.org/presentationml/2006/main">
   <p:cSld>
     <p:spTree>
@@ -4944,7 +5120,7 @@
 </p:sld>
 </file>
 
-<file path=ppt/slides/slide13.xml><?xml version="1.0" encoding="utf-8"?>
+<file path=ppt/slides/slide14.xml><?xml version="1.0" encoding="utf-8"?>
 <p:sld xmlns:a="http://schemas.openxmlformats.org/drawingml/2006/main" xmlns:r="http://schemas.openxmlformats.org/officeDocument/2006/relationships" xmlns:p="http://schemas.openxmlformats.org/presentationml/2006/main">
   <p:cSld>
     <p:spTree>
@@ -5115,7 +5291,7 @@
 </p:sld>
 </file>
 
-<file path=ppt/slides/slide14.xml><?xml version="1.0" encoding="utf-8"?>
+<file path=ppt/slides/slide15.xml><?xml version="1.0" encoding="utf-8"?>
 <p:sld xmlns:a="http://schemas.openxmlformats.org/drawingml/2006/main" xmlns:r="http://schemas.openxmlformats.org/officeDocument/2006/relationships" xmlns:p="http://schemas.openxmlformats.org/presentationml/2006/main">
   <p:cSld>
     <p:spTree>
@@ -5300,7 +5476,7 @@
 </p:sld>
 </file>
 
-<file path=ppt/slides/slide15.xml><?xml version="1.0" encoding="utf-8"?>
+<file path=ppt/slides/slide16.xml><?xml version="1.0" encoding="utf-8"?>
 <p:sld xmlns:a="http://schemas.openxmlformats.org/drawingml/2006/main" xmlns:r="http://schemas.openxmlformats.org/officeDocument/2006/relationships" xmlns:p="http://schemas.openxmlformats.org/presentationml/2006/main" show="0">
   <p:cSld>
     <p:spTree>
@@ -5422,7 +5598,7 @@
 </p:sld>
 </file>
 
-<file path=ppt/slides/slide16.xml><?xml version="1.0" encoding="utf-8"?>
+<file path=ppt/slides/slide17.xml><?xml version="1.0" encoding="utf-8"?>
 <p:sld xmlns:a="http://schemas.openxmlformats.org/drawingml/2006/main" xmlns:r="http://schemas.openxmlformats.org/officeDocument/2006/relationships" xmlns:p="http://schemas.openxmlformats.org/presentationml/2006/main" show="0">
   <p:cSld>
     <p:spTree>
@@ -5574,7 +5750,7 @@
 </p:sld>
 </file>
 
-<file path=ppt/slides/slide17.xml><?xml version="1.0" encoding="utf-8"?>
+<file path=ppt/slides/slide18.xml><?xml version="1.0" encoding="utf-8"?>
 <p:sld xmlns:a="http://schemas.openxmlformats.org/drawingml/2006/main" xmlns:r="http://schemas.openxmlformats.org/officeDocument/2006/relationships" xmlns:p="http://schemas.openxmlformats.org/presentationml/2006/main" show="0">
   <p:cSld>
     <p:spTree>
@@ -5765,7 +5941,7 @@
 </p:sld>
 </file>
 
-<file path=ppt/slides/slide18.xml><?xml version="1.0" encoding="utf-8"?>
+<file path=ppt/slides/slide19.xml><?xml version="1.0" encoding="utf-8"?>
 <p:sld xmlns:a="http://schemas.openxmlformats.org/drawingml/2006/main" xmlns:r="http://schemas.openxmlformats.org/officeDocument/2006/relationships" xmlns:p="http://schemas.openxmlformats.org/presentationml/2006/main" show="0">
   <p:cSld>
     <p:spTree>
@@ -5917,7 +6093,167 @@
 </p:sld>
 </file>
 
-<file path=ppt/slides/slide19.xml><?xml version="1.0" encoding="utf-8"?>
+<file path=ppt/slides/slide2.xml><?xml version="1.0" encoding="utf-8"?>
+<p:sld xmlns:a="http://schemas.openxmlformats.org/drawingml/2006/main" xmlns:r="http://schemas.openxmlformats.org/officeDocument/2006/relationships" xmlns:p="http://schemas.openxmlformats.org/presentationml/2006/main">
+  <p:cSld>
+    <p:spTree>
+      <p:nvGrpSpPr>
+        <p:cNvPr id="1" name=""/>
+        <p:cNvGrpSpPr/>
+        <p:nvPr/>
+      </p:nvGrpSpPr>
+      <p:grpSpPr>
+        <a:xfrm>
+          <a:off x="0" y="0"/>
+          <a:ext cx="0" cy="0"/>
+          <a:chOff x="0" y="0"/>
+          <a:chExt cx="0" cy="0"/>
+        </a:xfrm>
+      </p:grpSpPr>
+      <p:sp>
+        <p:nvSpPr>
+          <p:cNvPr id="2" name="Title 1">
+            <a:extLst>
+              <a:ext uri="{FF2B5EF4-FFF2-40B4-BE49-F238E27FC236}">
+                <a16:creationId xmlns:a16="http://schemas.microsoft.com/office/drawing/2014/main" id="{747353AB-2A75-7264-81FD-C56E79A39B6F}"/>
+              </a:ext>
+            </a:extLst>
+          </p:cNvPr>
+          <p:cNvSpPr>
+            <a:spLocks noGrp="1"/>
+          </p:cNvSpPr>
+          <p:nvPr>
+            <p:ph type="title"/>
+          </p:nvPr>
+        </p:nvSpPr>
+        <p:spPr>
+          <a:xfrm>
+            <a:off x="255104" y="-277536"/>
+            <a:ext cx="10515600" cy="1325563"/>
+          </a:xfrm>
+        </p:spPr>
+        <p:txBody>
+          <a:bodyPr/>
+          <a:lstStyle/>
+          <a:p>
+            <a:r>
+              <a:rPr lang="en-GB" b="1" dirty="0">
+                <a:solidFill>
+                  <a:srgbClr val="357B7B"/>
+                </a:solidFill>
+                <a:latin typeface="freight-text-pro"/>
+              </a:rPr>
+              <a:t>Il </a:t>
+            </a:r>
+            <a:r>
+              <a:rPr lang="en-GB" b="1" dirty="0" err="1">
+                <a:solidFill>
+                  <a:srgbClr val="357B7B"/>
+                </a:solidFill>
+                <a:latin typeface="freight-text-pro"/>
+              </a:rPr>
+              <a:t>concetto</a:t>
+            </a:r>
+            <a:r>
+              <a:rPr lang="en-GB" b="1" dirty="0">
+                <a:solidFill>
+                  <a:srgbClr val="357B7B"/>
+                </a:solidFill>
+                <a:latin typeface="freight-text-pro"/>
+              </a:rPr>
+              <a:t> di </a:t>
+            </a:r>
+            <a:r>
+              <a:rPr lang="en-GB" b="1" dirty="0" err="1">
+                <a:solidFill>
+                  <a:srgbClr val="357B7B"/>
+                </a:solidFill>
+                <a:latin typeface="freight-text-pro"/>
+              </a:rPr>
+              <a:t>tensione</a:t>
+            </a:r>
+            <a:endParaRPr lang="en-IT" dirty="0"/>
+          </a:p>
+        </p:txBody>
+      </p:sp>
+      <p:pic>
+        <p:nvPicPr>
+          <p:cNvPr id="4" name="Picture 3">
+            <a:extLst>
+              <a:ext uri="{FF2B5EF4-FFF2-40B4-BE49-F238E27FC236}">
+                <a16:creationId xmlns:a16="http://schemas.microsoft.com/office/drawing/2014/main" id="{959DB38C-C9B8-2F84-8994-390BEA004702}"/>
+              </a:ext>
+            </a:extLst>
+          </p:cNvPr>
+          <p:cNvPicPr>
+            <a:picLocks noChangeAspect="1"/>
+          </p:cNvPicPr>
+          <p:nvPr/>
+        </p:nvPicPr>
+        <p:blipFill>
+          <a:blip r:embed="rId3"/>
+          <a:stretch>
+            <a:fillRect/>
+          </a:stretch>
+        </p:blipFill>
+        <p:spPr>
+          <a:xfrm>
+            <a:off x="4165600" y="610704"/>
+            <a:ext cx="3860800" cy="3251200"/>
+          </a:xfrm>
+          <a:prstGeom prst="rect">
+            <a:avLst/>
+          </a:prstGeom>
+        </p:spPr>
+      </p:pic>
+      <p:pic>
+        <p:nvPicPr>
+          <p:cNvPr id="7" name="Picture 6" descr="\documentclass{article}&#10;\usepackage{amsmath,bbm,mathrsfs}&#10;\setlength\parindent{0em}&#10;\usepackage{geometry}&#10;\geometry{textwidth=10cm}&#10;\setlength\parskip{1em}&#10;\pagestyle{empty}&#10;\begin{document}&#10;&#10;&#10;Si effettui una sezione del corpo continuo con un piano $\pi$ di normale $\mathbf{n}$.&#10;&#10;Questa sezione individua all'interno del corpo una superficie di separazione tra le due parti. Questa superficie rappresenta la porzione di frontiera che le due parti hanno in comune.&#10;&#10;Indichiamo con $\mathscr P_1$ la parte rispetto alla quale $\mathbf n$ rappresenta la normale uscente, e con $\mathscr P_2$ la parte rimanente.&#10;&#10;&#10;&#10;\end{document}" title="IguanaTex Bitmap Display">
+            <a:extLst>
+              <a:ext uri="{FF2B5EF4-FFF2-40B4-BE49-F238E27FC236}">
+                <a16:creationId xmlns:a16="http://schemas.microsoft.com/office/drawing/2014/main" id="{5B5CB185-8AA9-FF43-374C-C8019A665C09}"/>
+              </a:ext>
+            </a:extLst>
+          </p:cNvPr>
+          <p:cNvPicPr>
+            <a:picLocks noChangeAspect="1"/>
+          </p:cNvPicPr>
+          <p:nvPr>
+            <p:custDataLst>
+              <p:tags r:id="rId1"/>
+            </p:custDataLst>
+          </p:nvPr>
+        </p:nvPicPr>
+        <p:blipFill>
+          <a:blip r:embed="rId4"/>
+          <a:stretch>
+            <a:fillRect/>
+          </a:stretch>
+        </p:blipFill>
+        <p:spPr>
+          <a:xfrm>
+            <a:off x="3305599" y="4379413"/>
+            <a:ext cx="5233771" cy="1867883"/>
+          </a:xfrm>
+          <a:prstGeom prst="rect">
+            <a:avLst/>
+          </a:prstGeom>
+        </p:spPr>
+      </p:pic>
+    </p:spTree>
+    <p:extLst>
+      <p:ext uri="{BB962C8B-B14F-4D97-AF65-F5344CB8AC3E}">
+        <p14:creationId xmlns:p14="http://schemas.microsoft.com/office/powerpoint/2010/main" val="3328847135"/>
+      </p:ext>
+    </p:extLst>
+  </p:cSld>
+  <p:clrMapOvr>
+    <a:masterClrMapping/>
+  </p:clrMapOvr>
+</p:sld>
+</file>
+
+<file path=ppt/slides/slide20.xml><?xml version="1.0" encoding="utf-8"?>
 <p:sld xmlns:a="http://schemas.openxmlformats.org/drawingml/2006/main" xmlns:r="http://schemas.openxmlformats.org/officeDocument/2006/relationships" xmlns:p="http://schemas.openxmlformats.org/presentationml/2006/main" show="0">
   <p:cSld>
     <p:spTree>
@@ -6039,235 +6375,7 @@
 </p:sld>
 </file>
 
-<file path=ppt/slides/slide2.xml><?xml version="1.0" encoding="utf-8"?>
-<p:sld xmlns:a="http://schemas.openxmlformats.org/drawingml/2006/main" xmlns:r="http://schemas.openxmlformats.org/officeDocument/2006/relationships" xmlns:p="http://schemas.openxmlformats.org/presentationml/2006/main">
-  <p:cSld>
-    <p:spTree>
-      <p:nvGrpSpPr>
-        <p:cNvPr id="1" name=""/>
-        <p:cNvGrpSpPr/>
-        <p:nvPr/>
-      </p:nvGrpSpPr>
-      <p:grpSpPr>
-        <a:xfrm>
-          <a:off x="0" y="0"/>
-          <a:ext cx="0" cy="0"/>
-          <a:chOff x="0" y="0"/>
-          <a:chExt cx="0" cy="0"/>
-        </a:xfrm>
-      </p:grpSpPr>
-      <p:sp>
-        <p:nvSpPr>
-          <p:cNvPr id="2" name="Title 1">
-            <a:extLst>
-              <a:ext uri="{FF2B5EF4-FFF2-40B4-BE49-F238E27FC236}">
-                <a16:creationId xmlns:a16="http://schemas.microsoft.com/office/drawing/2014/main" id="{B8BE731D-286C-F4DA-139A-7848B62A3C26}"/>
-              </a:ext>
-            </a:extLst>
-          </p:cNvPr>
-          <p:cNvSpPr>
-            <a:spLocks noGrp="1"/>
-          </p:cNvSpPr>
-          <p:nvPr>
-            <p:ph type="title"/>
-          </p:nvPr>
-        </p:nvSpPr>
-        <p:spPr>
-          <a:xfrm>
-            <a:off x="114300" y="-320675"/>
-            <a:ext cx="10515600" cy="1325563"/>
-          </a:xfrm>
-        </p:spPr>
-        <p:txBody>
-          <a:bodyPr/>
-          <a:lstStyle/>
-          <a:p>
-            <a:r>
-              <a:rPr lang="en-GB" b="1" dirty="0">
-                <a:solidFill>
-                  <a:srgbClr val="357B7B"/>
-                </a:solidFill>
-                <a:latin typeface="freight-text-pro"/>
-              </a:rPr>
-              <a:t>Il </a:t>
-            </a:r>
-            <a:r>
-              <a:rPr lang="en-GB" b="1" dirty="0" err="1">
-                <a:solidFill>
-                  <a:srgbClr val="357B7B"/>
-                </a:solidFill>
-                <a:latin typeface="freight-text-pro"/>
-              </a:rPr>
-              <a:t>concetto</a:t>
-            </a:r>
-            <a:r>
-              <a:rPr lang="en-GB" b="1" dirty="0">
-                <a:solidFill>
-                  <a:srgbClr val="357B7B"/>
-                </a:solidFill>
-                <a:latin typeface="freight-text-pro"/>
-              </a:rPr>
-              <a:t> di </a:t>
-            </a:r>
-            <a:r>
-              <a:rPr lang="en-GB" b="1" dirty="0" err="1">
-                <a:solidFill>
-                  <a:srgbClr val="357B7B"/>
-                </a:solidFill>
-                <a:latin typeface="freight-text-pro"/>
-              </a:rPr>
-              <a:t>tensione</a:t>
-            </a:r>
-            <a:endParaRPr lang="en-IT" dirty="0"/>
-          </a:p>
-        </p:txBody>
-      </p:sp>
-      <p:pic>
-        <p:nvPicPr>
-          <p:cNvPr id="11" name="Picture 10">
-            <a:extLst>
-              <a:ext uri="{FF2B5EF4-FFF2-40B4-BE49-F238E27FC236}">
-                <a16:creationId xmlns:a16="http://schemas.microsoft.com/office/drawing/2014/main" id="{FF100D23-B8F4-212F-6240-3EE90BA2808C}"/>
-              </a:ext>
-            </a:extLst>
-          </p:cNvPr>
-          <p:cNvPicPr>
-            <a:picLocks noChangeAspect="1"/>
-          </p:cNvPicPr>
-          <p:nvPr/>
-        </p:nvPicPr>
-        <p:blipFill>
-          <a:blip r:embed="rId5"/>
-          <a:stretch>
-            <a:fillRect/>
-          </a:stretch>
-        </p:blipFill>
-        <p:spPr>
-          <a:xfrm>
-            <a:off x="5654255" y="1850064"/>
-            <a:ext cx="6626743" cy="3157871"/>
-          </a:xfrm>
-          <a:prstGeom prst="rect">
-            <a:avLst/>
-          </a:prstGeom>
-        </p:spPr>
-      </p:pic>
-      <p:pic>
-        <p:nvPicPr>
-          <p:cNvPr id="36" name="Picture 35" descr="\documentclass{article}&#10;\usepackage{amsmath,bbm,mathrsfs}&#10;\setlength\parindent{0em}&#10;\usepackage{geometry}&#10;\geometry{textwidth=8cm}&#10;\setlength\parskip{1em}&#10;\pagestyle{empty}&#10;\begin{document}&#10;&#10;&#10;&#10;Dato un punto $P$ di $\pi$, di area $\Delta A$, siano $\Delta \mathbf{F}$ e $\Delta \mathbf{M}$ rispettivamente la risultante $\mathrm{e}$ il momento risultante del sistema di forze che la porzione $\mathscr{P}_1$ esercita su $\mathscr{P}_2$ attraverso $\Delta A$, Fig. 14.2c. &#10;&#10;Si ipotizza che esistano i limiti &#10;&#10;$$\mathbf{t}=\lim _{\Delta A \rightarrow 0} \frac{\Delta \mathbf{F}}{\Delta A}, \quad \lim _{\Delta A \rightarrow 0} \frac{\Delta \mathbf{M}}{\Delta A_n}=\mathbf{0}$$&#10;&#10;\end{document}" title="IguanaTex Bitmap Display">
-            <a:extLst>
-              <a:ext uri="{FF2B5EF4-FFF2-40B4-BE49-F238E27FC236}">
-                <a16:creationId xmlns:a16="http://schemas.microsoft.com/office/drawing/2014/main" id="{A84C8725-B09D-29E5-DE6D-BE071D5F9F5A}"/>
-              </a:ext>
-            </a:extLst>
-          </p:cNvPr>
-          <p:cNvPicPr>
-            <a:picLocks noChangeAspect="1"/>
-          </p:cNvPicPr>
-          <p:nvPr>
-            <p:custDataLst>
-              <p:tags r:id="rId1"/>
-            </p:custDataLst>
-          </p:nvPr>
-        </p:nvPicPr>
-        <p:blipFill>
-          <a:blip r:embed="rId6"/>
-          <a:stretch>
-            <a:fillRect/>
-          </a:stretch>
-        </p:blipFill>
-        <p:spPr>
-          <a:xfrm>
-            <a:off x="301080" y="2813547"/>
-            <a:ext cx="4742433" cy="2298095"/>
-          </a:xfrm>
-          <a:prstGeom prst="rect">
-            <a:avLst/>
-          </a:prstGeom>
-        </p:spPr>
-      </p:pic>
-      <p:pic>
-        <p:nvPicPr>
-          <p:cNvPr id="37" name="Picture 36" descr="\documentclass{article}&#10;\usepackage{amsmath,bbm,mathrsfs}&#10;\setlength\parindent{0em}&#10;\usepackage{geometry}&#10;\geometry{textwidth=10cm}&#10;\setlength\parskip{1em}&#10;\pagestyle{empty}&#10;\begin{document}&#10;&#10;&#10;Si effettui una sezione del corpo continuo con un piano $\pi$ di normale $\mathbf{n}$.&#10;&#10;Questa sezione individua all'interno del corpo una superficie di separazione tra le due parti. Questa superficie rappresenta la porzione di frontiera che le due parti hanno in comune.&#10;&#10;Indichiamo con $\mathscr P_1$ la parte rispetto alla quale $\mathbf n$ rappresenta la normale uscente, e con $\mathcal P_2$ la parte rimanente.&#10;&#10;&#10;&#10;\end{document}" title="IguanaTex Bitmap Display">
-            <a:extLst>
-              <a:ext uri="{FF2B5EF4-FFF2-40B4-BE49-F238E27FC236}">
-                <a16:creationId xmlns:a16="http://schemas.microsoft.com/office/drawing/2014/main" id="{5EB12AFE-E3D1-A789-E595-9EF47126AAF1}"/>
-              </a:ext>
-            </a:extLst>
-          </p:cNvPr>
-          <p:cNvPicPr>
-            <a:picLocks noChangeAspect="1"/>
-          </p:cNvPicPr>
-          <p:nvPr>
-            <p:custDataLst>
-              <p:tags r:id="rId2"/>
-            </p:custDataLst>
-          </p:nvPr>
-        </p:nvPicPr>
-        <p:blipFill>
-          <a:blip r:embed="rId7"/>
-          <a:stretch>
-            <a:fillRect/>
-          </a:stretch>
-        </p:blipFill>
-        <p:spPr>
-          <a:xfrm>
-            <a:off x="328946" y="719394"/>
-            <a:ext cx="5233771" cy="1867883"/>
-          </a:xfrm>
-          <a:prstGeom prst="rect">
-            <a:avLst/>
-          </a:prstGeom>
-        </p:spPr>
-      </p:pic>
-      <p:pic>
-        <p:nvPicPr>
-          <p:cNvPr id="38" name="Picture 37" descr="\documentclass{article}&#10;\usepackage{amsmath,bbm,mathrsfs}&#10;\setlength\parindent{0em}&#10;\usepackage{geometry}&#10;\geometry{textwidth=10cm}&#10;\setlength\parskip{1em}&#10;\pagestyle{empty}&#10;\begin{document}&#10;&#10;&#10;Il vettore $\mathbf{t}$ \`e detto {\bf tensione in $P$ agente secondo la giacitura di normale $\mathbf{n}$}. &#10;&#10;La tensione costituisce una generalizzazione della pressione, e ha le dimensioni fisiche di una pressione: $[\mathbf t]=F / L^2$&#10;&#10;\end{document}" title="IguanaTex Bitmap Display">
-            <a:extLst>
-              <a:ext uri="{FF2B5EF4-FFF2-40B4-BE49-F238E27FC236}">
-                <a16:creationId xmlns:a16="http://schemas.microsoft.com/office/drawing/2014/main" id="{2DFC282D-8AA4-B44E-727A-1E84FB51E247}"/>
-              </a:ext>
-            </a:extLst>
-          </p:cNvPr>
-          <p:cNvPicPr>
-            <a:picLocks noChangeAspect="1"/>
-          </p:cNvPicPr>
-          <p:nvPr>
-            <p:custDataLst>
-              <p:tags r:id="rId3"/>
-            </p:custDataLst>
-          </p:nvPr>
-        </p:nvPicPr>
-        <p:blipFill>
-          <a:blip r:embed="rId8"/>
-          <a:stretch>
-            <a:fillRect/>
-          </a:stretch>
-        </p:blipFill>
-        <p:spPr>
-          <a:xfrm>
-            <a:off x="301080" y="5337913"/>
-            <a:ext cx="5261637" cy="1037506"/>
-          </a:xfrm>
-          <a:prstGeom prst="rect">
-            <a:avLst/>
-          </a:prstGeom>
-        </p:spPr>
-      </p:pic>
-    </p:spTree>
-    <p:extLst>
-      <p:ext uri="{BB962C8B-B14F-4D97-AF65-F5344CB8AC3E}">
-        <p14:creationId xmlns:p14="http://schemas.microsoft.com/office/powerpoint/2010/main" val="1659412787"/>
-      </p:ext>
-    </p:extLst>
-  </p:cSld>
-  <p:clrMapOvr>
-    <a:masterClrMapping/>
-  </p:clrMapOvr>
-</p:sld>
-</file>
-
-<file path=ppt/slides/slide20.xml><?xml version="1.0" encoding="utf-8"?>
+<file path=ppt/slides/slide21.xml><?xml version="1.0" encoding="utf-8"?>
 <p:sld xmlns:a="http://schemas.openxmlformats.org/drawingml/2006/main" xmlns:r="http://schemas.openxmlformats.org/officeDocument/2006/relationships" xmlns:p="http://schemas.openxmlformats.org/presentationml/2006/main" show="0">
   <p:cSld>
     <p:spTree>
@@ -6424,7 +6532,7 @@
 </p:sld>
 </file>
 
-<file path=ppt/slides/slide21.xml><?xml version="1.0" encoding="utf-8"?>
+<file path=ppt/slides/slide22.xml><?xml version="1.0" encoding="utf-8"?>
 <p:sld xmlns:a="http://schemas.openxmlformats.org/drawingml/2006/main" xmlns:r="http://schemas.openxmlformats.org/officeDocument/2006/relationships" xmlns:p="http://schemas.openxmlformats.org/presentationml/2006/main" show="0">
   <p:cSld>
     <p:spTree>
@@ -6553,7 +6661,7 @@
 </p:sld>
 </file>
 
-<file path=ppt/slides/slide22.xml><?xml version="1.0" encoding="utf-8"?>
+<file path=ppt/slides/slide23.xml><?xml version="1.0" encoding="utf-8"?>
 <p:sld xmlns:a="http://schemas.openxmlformats.org/drawingml/2006/main" xmlns:r="http://schemas.openxmlformats.org/officeDocument/2006/relationships" xmlns:p="http://schemas.openxmlformats.org/presentationml/2006/main" show="0">
   <p:cSld>
     <p:spTree>
@@ -6741,7 +6849,7 @@
 </p:sld>
 </file>
 
-<file path=ppt/slides/slide23.xml><?xml version="1.0" encoding="utf-8"?>
+<file path=ppt/slides/slide24.xml><?xml version="1.0" encoding="utf-8"?>
 <p:sld xmlns:a="http://schemas.openxmlformats.org/drawingml/2006/main" xmlns:r="http://schemas.openxmlformats.org/officeDocument/2006/relationships" xmlns:p="http://schemas.openxmlformats.org/presentationml/2006/main" show="0">
   <p:cSld>
     <p:spTree>
@@ -6839,6 +6947,164 @@
 </file>
 
 <file path=ppt/slides/slide3.xml><?xml version="1.0" encoding="utf-8"?>
+<p:sld xmlns:a="http://schemas.openxmlformats.org/drawingml/2006/main" xmlns:r="http://schemas.openxmlformats.org/officeDocument/2006/relationships" xmlns:p="http://schemas.openxmlformats.org/presentationml/2006/main">
+  <p:cSld>
+    <p:spTree>
+      <p:nvGrpSpPr>
+        <p:cNvPr id="1" name=""/>
+        <p:cNvGrpSpPr/>
+        <p:nvPr/>
+      </p:nvGrpSpPr>
+      <p:grpSpPr>
+        <a:xfrm>
+          <a:off x="0" y="0"/>
+          <a:ext cx="0" cy="0"/>
+          <a:chOff x="0" y="0"/>
+          <a:chExt cx="0" cy="0"/>
+        </a:xfrm>
+      </p:grpSpPr>
+      <p:sp>
+        <p:nvSpPr>
+          <p:cNvPr id="2" name="Title 1">
+            <a:extLst>
+              <a:ext uri="{FF2B5EF4-FFF2-40B4-BE49-F238E27FC236}">
+                <a16:creationId xmlns:a16="http://schemas.microsoft.com/office/drawing/2014/main" id="{B8BE731D-286C-F4DA-139A-7848B62A3C26}"/>
+              </a:ext>
+            </a:extLst>
+          </p:cNvPr>
+          <p:cNvSpPr>
+            <a:spLocks noGrp="1"/>
+          </p:cNvSpPr>
+          <p:nvPr>
+            <p:ph type="title"/>
+          </p:nvPr>
+        </p:nvSpPr>
+        <p:spPr>
+          <a:xfrm>
+            <a:off x="114300" y="-320674"/>
+            <a:ext cx="9745317" cy="1168814"/>
+          </a:xfrm>
+        </p:spPr>
+        <p:txBody>
+          <a:bodyPr/>
+          <a:lstStyle/>
+          <a:p>
+            <a:endParaRPr lang="en-IT" dirty="0"/>
+          </a:p>
+        </p:txBody>
+      </p:sp>
+      <p:pic>
+        <p:nvPicPr>
+          <p:cNvPr id="36" name="Picture 35" descr="\documentclass{article}&#10;\usepackage{amsmath,bbm,mathrsfs}&#10;\setlength\parindent{0em}&#10;\usepackage{geometry}&#10;\geometry{textwidth=8cm}&#10;\setlength\parskip{1em}&#10;\pagestyle{empty}&#10;\begin{document}&#10;&#10;&#10;&#10;Dato un punto $P$ di $\pi$, di area $\Delta A$, siano $\Delta \mathbf{F}$ e $\Delta \mathbf{M}$ rispettivamente la risultante $\mathrm{e}$ il momento risultante del sistema di forze che la porzione $\mathscr{P}_1$ esercita su $\mathscr{P}_2$ attraverso $\Delta A$, Fig. 14.2c. &#10;&#10;Si ipotizza che esistano i limiti &#10;&#10;$$\mathbf{t}=\lim _{\Delta A \rightarrow 0} \frac{\Delta \mathbf{F}}{\Delta A}, \quad \lim _{\Delta A \rightarrow 0} \frac{\Delta \mathbf{M}}{\Delta A_n}=\mathbf{0}$$&#10;&#10;\end{document}" title="IguanaTex Bitmap Display">
+            <a:extLst>
+              <a:ext uri="{FF2B5EF4-FFF2-40B4-BE49-F238E27FC236}">
+                <a16:creationId xmlns:a16="http://schemas.microsoft.com/office/drawing/2014/main" id="{A84C8725-B09D-29E5-DE6D-BE071D5F9F5A}"/>
+              </a:ext>
+            </a:extLst>
+          </p:cNvPr>
+          <p:cNvPicPr>
+            <a:picLocks noChangeAspect="1"/>
+          </p:cNvPicPr>
+          <p:nvPr>
+            <p:custDataLst>
+              <p:tags r:id="rId1"/>
+            </p:custDataLst>
+          </p:nvPr>
+        </p:nvPicPr>
+        <p:blipFill>
+          <a:blip r:embed="rId4"/>
+          <a:stretch>
+            <a:fillRect/>
+          </a:stretch>
+        </p:blipFill>
+        <p:spPr>
+          <a:xfrm>
+            <a:off x="6564701" y="1130904"/>
+            <a:ext cx="4742433" cy="2298095"/>
+          </a:xfrm>
+          <a:prstGeom prst="rect">
+            <a:avLst/>
+          </a:prstGeom>
+        </p:spPr>
+      </p:pic>
+      <p:pic>
+        <p:nvPicPr>
+          <p:cNvPr id="4" name="Picture 3">
+            <a:extLst>
+              <a:ext uri="{FF2B5EF4-FFF2-40B4-BE49-F238E27FC236}">
+                <a16:creationId xmlns:a16="http://schemas.microsoft.com/office/drawing/2014/main" id="{B557D7FD-75BC-CA0E-DB64-36DC95D16352}"/>
+              </a:ext>
+            </a:extLst>
+          </p:cNvPr>
+          <p:cNvPicPr>
+            <a:picLocks noChangeAspect="1"/>
+          </p:cNvPicPr>
+          <p:nvPr/>
+        </p:nvPicPr>
+        <p:blipFill>
+          <a:blip r:embed="rId5"/>
+          <a:stretch>
+            <a:fillRect/>
+          </a:stretch>
+        </p:blipFill>
+        <p:spPr>
+          <a:xfrm>
+            <a:off x="432254" y="2045616"/>
+            <a:ext cx="5195047" cy="2766767"/>
+          </a:xfrm>
+          <a:prstGeom prst="rect">
+            <a:avLst/>
+          </a:prstGeom>
+        </p:spPr>
+      </p:pic>
+      <p:pic>
+        <p:nvPicPr>
+          <p:cNvPr id="5" name="Picture 4" descr="\documentclass{article}&#10;\usepackage{amsmath,bbm,mathrsfs}&#10;\setlength\parindent{0em}&#10;\usepackage{geometry}&#10;\geometry{textwidth=10cm}&#10;\setlength\parskip{1em}&#10;\pagestyle{empty}&#10;\begin{document}&#10;&#10;&#10;Il vettore $\mathbf{t}$ \`e detto {\bf tensione in $P$ agente secondo la giacitura di normale $\mathbf{n}$}. &#10;&#10;La tensione costituisce una generalizzazione della pressione, e ha le dimensioni fisiche di una pressione: $[\mathbf t]=F / L^2$&#10;&#10;\end{document}" title="IguanaTex Bitmap Display">
+            <a:extLst>
+              <a:ext uri="{FF2B5EF4-FFF2-40B4-BE49-F238E27FC236}">
+                <a16:creationId xmlns:a16="http://schemas.microsoft.com/office/drawing/2014/main" id="{DBD7F086-6B28-00CA-C7B2-F209F7C6229A}"/>
+              </a:ext>
+            </a:extLst>
+          </p:cNvPr>
+          <p:cNvPicPr>
+            <a:picLocks noChangeAspect="1"/>
+          </p:cNvPicPr>
+          <p:nvPr>
+            <p:custDataLst>
+              <p:tags r:id="rId2"/>
+            </p:custDataLst>
+          </p:nvPr>
+        </p:nvPicPr>
+        <p:blipFill>
+          <a:blip r:embed="rId6"/>
+          <a:stretch>
+            <a:fillRect/>
+          </a:stretch>
+        </p:blipFill>
+        <p:spPr>
+          <a:xfrm>
+            <a:off x="6564701" y="4082854"/>
+            <a:ext cx="5261637" cy="1037506"/>
+          </a:xfrm>
+          <a:prstGeom prst="rect">
+            <a:avLst/>
+          </a:prstGeom>
+        </p:spPr>
+      </p:pic>
+    </p:spTree>
+    <p:extLst>
+      <p:ext uri="{BB962C8B-B14F-4D97-AF65-F5344CB8AC3E}">
+        <p14:creationId xmlns:p14="http://schemas.microsoft.com/office/powerpoint/2010/main" val="1659412787"/>
+      </p:ext>
+    </p:extLst>
+  </p:cSld>
+  <p:clrMapOvr>
+    <a:masterClrMapping/>
+  </p:clrMapOvr>
+</p:sld>
+</file>
+
+<file path=ppt/slides/slide4.xml><?xml version="1.0" encoding="utf-8"?>
 <p:sld xmlns:a="http://schemas.openxmlformats.org/drawingml/2006/main" xmlns:r="http://schemas.openxmlformats.org/officeDocument/2006/relationships" xmlns:p="http://schemas.openxmlformats.org/presentationml/2006/main" show="0">
   <p:cSld>
     <p:spTree>
@@ -6903,7 +7169,7 @@
 </p:sld>
 </file>
 
-<file path=ppt/slides/slide4.xml><?xml version="1.0" encoding="utf-8"?>
+<file path=ppt/slides/slide5.xml><?xml version="1.0" encoding="utf-8"?>
 <p:sld xmlns:a="http://schemas.openxmlformats.org/drawingml/2006/main" xmlns:r="http://schemas.openxmlformats.org/officeDocument/2006/relationships" xmlns:p="http://schemas.openxmlformats.org/presentationml/2006/main">
   <p:cSld>
     <p:spTree>
@@ -9000,7 +9266,7 @@
 </p:sld>
 </file>
 
-<file path=ppt/slides/slide5.xml><?xml version="1.0" encoding="utf-8"?>
+<file path=ppt/slides/slide6.xml><?xml version="1.0" encoding="utf-8"?>
 <p:sld xmlns:a="http://schemas.openxmlformats.org/drawingml/2006/main" xmlns:r="http://schemas.openxmlformats.org/officeDocument/2006/relationships" xmlns:p="http://schemas.openxmlformats.org/presentationml/2006/main">
   <p:cSld>
     <p:spTree>
@@ -9146,7 +9412,7 @@
 </p:sld>
 </file>
 
-<file path=ppt/slides/slide6.xml><?xml version="1.0" encoding="utf-8"?>
+<file path=ppt/slides/slide7.xml><?xml version="1.0" encoding="utf-8"?>
 <p:sld xmlns:a="http://schemas.openxmlformats.org/drawingml/2006/main" xmlns:r="http://schemas.openxmlformats.org/officeDocument/2006/relationships" xmlns:p="http://schemas.openxmlformats.org/presentationml/2006/main">
   <p:cSld>
     <p:spTree>
@@ -9311,7 +9577,7 @@
         </p:blipFill>
         <p:spPr>
           <a:xfrm>
-            <a:off x="6009702" y="2119394"/>
+            <a:off x="6009702" y="1351721"/>
             <a:ext cx="5938080" cy="2077279"/>
           </a:xfrm>
           <a:prstGeom prst="rect">
@@ -9375,7 +9641,7 @@
         </p:blipFill>
         <p:spPr>
           <a:xfrm>
-            <a:off x="3911552" y="5167543"/>
+            <a:off x="3911552" y="4976644"/>
             <a:ext cx="8036230" cy="1518180"/>
           </a:xfrm>
           <a:prstGeom prst="rect">
@@ -9396,7 +9662,7 @@
 </p:sld>
 </file>
 
-<file path=ppt/slides/slide7.xml><?xml version="1.0" encoding="utf-8"?>
+<file path=ppt/slides/slide8.xml><?xml version="1.0" encoding="utf-8"?>
 <p:sld xmlns:a="http://schemas.openxmlformats.org/drawingml/2006/main" xmlns:r="http://schemas.openxmlformats.org/officeDocument/2006/relationships" xmlns:p="http://schemas.openxmlformats.org/presentationml/2006/main">
   <p:cSld>
     <p:spTree>
@@ -9570,10 +9836,10 @@
       </p:pic>
       <p:pic>
         <p:nvPicPr>
-          <p:cNvPr id="6" name="Picture 5" descr="\documentclass{article}&#10;\usepackage{amsmath,bbm,mathrsfs}&#10;\setlength\parindent{0em}&#10;\usepackage{geometry}&#10;\geometry{textwidth=10cm}&#10;\setlength\parskip{1em}&#10;\pagestyle{empty}&#10;\begin{document}&#10;&#10;Quando la normale $\mathbf n$ \`e diretta lungo l'asse $z$, il vettore tensione  si indica con il simbolo $\mathbf t_z$ anzich\'e $\mathbf t_{k}$, e le sue componenti si scrivono:&#10;$$&#10;\mathbf{t}_z=\left[\begin{array}{c}&#10;\tau_{z x} \\&#10;\tau_{z y} \\&#10;\sigma_z&#10;\end{array}\right]&#10;$$&#10;&#10;&#10;\end{document}" title="IguanaTex Bitmap Display">
-            <a:extLst>
-              <a:ext uri="{FF2B5EF4-FFF2-40B4-BE49-F238E27FC236}">
-                <a16:creationId xmlns:a16="http://schemas.microsoft.com/office/drawing/2014/main" id="{CD84BEF9-D704-E822-7EE6-4E264A00B081}"/>
+          <p:cNvPr id="4" name="Picture 3" descr="\documentclass{article}&#10;\usepackage{amsmath,bbm,mathrsfs}&#10;\setlength\parindent{0em}&#10;\usepackage{geometry}&#10;\geometry{textwidth=10cm}&#10;\setlength\parskip{1em}&#10;\pagestyle{empty}&#10;\begin{document}&#10;&#10;Quando la normale $\mathbf n$ \`e diretta lungo l'asse $z$, il vettore tensione  si indica con il simbolo $\mathbf t_z$, e le sue componenti si scrivono:&#10;$$&#10;\mathbf{t}_z=\left[\begin{array}{c}&#10;\tau_{z x} \\&#10;\tau_{z y} \\&#10;\sigma_z&#10;\end{array}\right]&#10;$$&#10;&#10;&#10;\end{document}" title="IguanaTex Bitmap Display">
+            <a:extLst>
+              <a:ext uri="{FF2B5EF4-FFF2-40B4-BE49-F238E27FC236}">
+                <a16:creationId xmlns:a16="http://schemas.microsoft.com/office/drawing/2014/main" id="{8C9FA406-6A8D-B206-A710-B8B3120A9AA9}"/>
               </a:ext>
             </a:extLst>
           </p:cNvPr>
@@ -9647,7 +9913,7 @@
 </p:sld>
 </file>
 
-<file path=ppt/slides/slide8.xml><?xml version="1.0" encoding="utf-8"?>
+<file path=ppt/slides/slide9.xml><?xml version="1.0" encoding="utf-8"?>
 <p:sld xmlns:a="http://schemas.openxmlformats.org/drawingml/2006/main" xmlns:r="http://schemas.openxmlformats.org/officeDocument/2006/relationships" xmlns:p="http://schemas.openxmlformats.org/presentationml/2006/main">
   <p:cSld>
     <p:spTree>
@@ -9783,191 +10049,16 @@
 </p:sld>
 </file>
 
-<file path=ppt/slides/slide9.xml><?xml version="1.0" encoding="utf-8"?>
-<p:sld xmlns:a="http://schemas.openxmlformats.org/drawingml/2006/main" xmlns:r="http://schemas.openxmlformats.org/officeDocument/2006/relationships" xmlns:p="http://schemas.openxmlformats.org/presentationml/2006/main">
-  <p:cSld>
-    <p:spTree>
-      <p:nvGrpSpPr>
-        <p:cNvPr id="1" name=""/>
-        <p:cNvGrpSpPr/>
-        <p:nvPr/>
-      </p:nvGrpSpPr>
-      <p:grpSpPr>
-        <a:xfrm>
-          <a:off x="0" y="0"/>
-          <a:ext cx="0" cy="0"/>
-          <a:chOff x="0" y="0"/>
-          <a:chExt cx="0" cy="0"/>
-        </a:xfrm>
-      </p:grpSpPr>
-      <p:sp>
-        <p:nvSpPr>
-          <p:cNvPr id="2" name="Title 1">
-            <a:extLst>
-              <a:ext uri="{FF2B5EF4-FFF2-40B4-BE49-F238E27FC236}">
-                <a16:creationId xmlns:a16="http://schemas.microsoft.com/office/drawing/2014/main" id="{AD702CEA-D047-9AD9-0CAC-067A7674E3F5}"/>
-              </a:ext>
-            </a:extLst>
-          </p:cNvPr>
-          <p:cNvSpPr>
-            <a:spLocks noGrp="1"/>
-          </p:cNvSpPr>
-          <p:nvPr>
-            <p:ph type="title"/>
-          </p:nvPr>
-        </p:nvSpPr>
-        <p:spPr>
-          <a:xfrm>
-            <a:off x="838200" y="365126"/>
-            <a:ext cx="10515600" cy="449884"/>
-          </a:xfrm>
-        </p:spPr>
-        <p:txBody>
-          <a:bodyPr>
-            <a:normAutofit fontScale="90000"/>
-          </a:bodyPr>
-          <a:lstStyle/>
-          <a:p>
-            <a:r>
-              <a:rPr lang="en-GB" b="1" i="0" u="none" strike="noStrike" dirty="0" err="1">
-                <a:solidFill>
-                  <a:srgbClr val="357B7B"/>
-                </a:solidFill>
-                <a:effectLst/>
-                <a:latin typeface="freight-text-pro"/>
-              </a:rPr>
-              <a:t>Dimostrazione</a:t>
-            </a:r>
-            <a:r>
-              <a:rPr lang="en-GB" b="1" i="0" u="none" strike="noStrike" dirty="0">
-                <a:solidFill>
-                  <a:srgbClr val="357B7B"/>
-                </a:solidFill>
-                <a:effectLst/>
-                <a:latin typeface="freight-text-pro"/>
-              </a:rPr>
-              <a:t> </a:t>
-            </a:r>
-            <a:r>
-              <a:rPr lang="en-GB" b="1" i="0" u="none" strike="noStrike" dirty="0" err="1">
-                <a:solidFill>
-                  <a:srgbClr val="357B7B"/>
-                </a:solidFill>
-                <a:effectLst/>
-                <a:latin typeface="freight-text-pro"/>
-              </a:rPr>
-              <a:t>della</a:t>
-            </a:r>
-            <a:r>
-              <a:rPr lang="en-GB" b="1" i="0" u="none" strike="noStrike" dirty="0">
-                <a:solidFill>
-                  <a:srgbClr val="357B7B"/>
-                </a:solidFill>
-                <a:effectLst/>
-                <a:latin typeface="freight-text-pro"/>
-              </a:rPr>
-              <a:t> Formula di Cauchy</a:t>
-            </a:r>
-            <a:br>
-              <a:rPr lang="en-GB" b="1" i="0" u="none" strike="noStrike" dirty="0">
-                <a:solidFill>
-                  <a:srgbClr val="357B7B"/>
-                </a:solidFill>
-                <a:effectLst/>
-                <a:latin typeface="freight-text-pro"/>
-              </a:rPr>
-            </a:br>
-            <a:endParaRPr lang="en-IT" dirty="0"/>
-          </a:p>
-        </p:txBody>
-      </p:sp>
-      <p:pic>
-        <p:nvPicPr>
-          <p:cNvPr id="8" name="Picture 7" descr="\documentclass{article}&#10;\usepackage{amsmath,bbm,mathrsfs}&#10;\setlength\parindent{0em}&#10;\pagestyle{empty}&#10;\begin{document}&#10;&#10;  \begin{itemize}&#10;    \item Si vuole ora stabilire la relazione tra il vettore della tensione $\mathbf{t}_n$ e il tensore degli sforzi $\mathbf{T}$ per l'equilibrio del solido.&#10;    \item Equilibrio di ogni parte del corpo: equilibrio delle forze e dei momenti.&#10;    \item Si considera un punto $P$ all'interno del solido e un tetraedro di Cauchy con superficie normale $\mathbf{n}$ e piani $-\mathbf{i},-\mathbf{j},-\mathbf{k}$, Fig. 14.5a.&#10;    \item L'equilibrio delle forze sul tetraedro, considerando la forza di volume $\mathbf{b} \Delta V$:&#10;    $$&#10;    \mathbf{t}_n \Delta A_n + \mathbf{t}_{-x} \Delta A_x + \mathbf{t}_{-y} \Delta A_y + \mathbf{t}_{-z} \Delta A_z + \mathbf{b} \Delta V = \mathbf{0}&#10;    $$&#10;    \item Usando il lemma di Cauchy, $\mathbf{t}_{-x} = -\mathbf{t}_x, \ldots$, e dividendo ambo i membri per $\Delta A_n$:&#10;    $$&#10;    \mathbf{t}_n - \mathbf{t}_x \frac{\Delta A_x}{\Delta A_n} - \mathbf{t}_y \frac{\Delta A_y}{\Delta A_n} - \mathbf{t}_z \frac{\Delta A_z}{\Delta A_n} + \mathbf{b} \frac{\Delta V}{\Delta A_n} = \mathbf{0}&#10;    $$&#10;    \item Al limite per $\Delta A_n \rightarrow 0$, mantenendo la giacitura di normale $\mathbf{n}$ parallela a se stessa, si ottiene la formula fondamentale di Cauchy:&#10;    $$&#10;    \mathbf{t}_n = \mathbf{t}_x \alpha + \mathbf{t}_y \beta + \mathbf{t}_z \gamma&#10;    $$&#10;    dove $\alpha$, $\beta$ e $\gamma$ sono i coseni direttori di $\mathbf{n}$.&#10;  \end{itemize}&#10;&#10;&#10;\end{document}" title="IguanaTex Bitmap Display">
-            <a:extLst>
-              <a:ext uri="{FF2B5EF4-FFF2-40B4-BE49-F238E27FC236}">
-                <a16:creationId xmlns:a16="http://schemas.microsoft.com/office/drawing/2014/main" id="{4C255791-AEFC-B87C-363C-91BF3DEDA11A}"/>
-              </a:ext>
-            </a:extLst>
-          </p:cNvPr>
-          <p:cNvPicPr>
-            <a:picLocks noChangeAspect="1"/>
-          </p:cNvPicPr>
-          <p:nvPr>
-            <p:custDataLst>
-              <p:tags r:id="rId1"/>
-            </p:custDataLst>
-          </p:nvPr>
-        </p:nvPicPr>
-        <p:blipFill>
-          <a:blip r:embed="rId3"/>
-          <a:stretch>
-            <a:fillRect/>
-          </a:stretch>
-        </p:blipFill>
-        <p:spPr>
-          <a:xfrm>
-            <a:off x="5754755" y="964654"/>
-            <a:ext cx="6100417" cy="4928691"/>
-          </a:xfrm>
-          <a:prstGeom prst="rect">
-            <a:avLst/>
-          </a:prstGeom>
-        </p:spPr>
-      </p:pic>
-      <p:pic>
-        <p:nvPicPr>
-          <p:cNvPr id="6" name="Picture 5">
-            <a:extLst>
-              <a:ext uri="{FF2B5EF4-FFF2-40B4-BE49-F238E27FC236}">
-                <a16:creationId xmlns:a16="http://schemas.microsoft.com/office/drawing/2014/main" id="{572DC445-46EB-60EB-5369-4F3E493BBDED}"/>
-              </a:ext>
-            </a:extLst>
-          </p:cNvPr>
-          <p:cNvPicPr>
-            <a:picLocks noChangeAspect="1"/>
-          </p:cNvPicPr>
-          <p:nvPr/>
-        </p:nvPicPr>
-        <p:blipFill>
-          <a:blip r:embed="rId4"/>
-          <a:stretch>
-            <a:fillRect/>
-          </a:stretch>
-        </p:blipFill>
-        <p:spPr>
-          <a:xfrm>
-            <a:off x="445880" y="1339022"/>
-            <a:ext cx="4660900" cy="4152900"/>
-          </a:xfrm>
-          <a:prstGeom prst="rect">
-            <a:avLst/>
-          </a:prstGeom>
-        </p:spPr>
-      </p:pic>
-    </p:spTree>
-    <p:extLst>
-      <p:ext uri="{BB962C8B-B14F-4D97-AF65-F5344CB8AC3E}">
-        <p14:creationId xmlns:p14="http://schemas.microsoft.com/office/powerpoint/2010/main" val="1208998610"/>
-      </p:ext>
-    </p:extLst>
-  </p:cSld>
-  <p:clrMapOvr>
-    <a:masterClrMapping/>
-  </p:clrMapOvr>
-</p:sld>
-</file>
-
 <file path=ppt/tags/tag1.xml><?xml version="1.0" encoding="utf-8"?>
 <p:tagLst xmlns:a="http://schemas.openxmlformats.org/drawingml/2006/main" xmlns:r="http://schemas.openxmlformats.org/officeDocument/2006/relationships" xmlns:p="http://schemas.openxmlformats.org/presentationml/2006/main">
   <p:tag name="OUTPUTDPI" val="1200"/>
-  <p:tag name="ORIGINALHEIGHT" val="110"/>
-  <p:tag name="ORIGINALWIDTH" val="227"/>
+  <p:tag name="ORIGINALHEIGHT" val="101"/>
+  <p:tag name="ORIGINALWIDTH" val="283"/>
   <p:tag name="OUTPUTTYPE" val="PDF"/>
   <p:tag name="IGUANATEXVERSION" val="160"/>
-  <p:tag name="LATEXADDIN" val="\documentclass{article}&#10;\usepackage{amsmath,bbm,mathrsfs}&#10;\setlength\parindent{0em}&#10;\usepackage{geometry}&#10;\geometry{textwidth=8cm}&#10;\setlength\parskip{1em}&#10;\pagestyle{empty}&#10;\begin{document}&#10;&#10;&#10;&#10;Dato un punto $P$ di $\pi$, di area $\Delta A$, siano $\Delta \mathbf{F}$ e $\Delta \mathbf{M}$ rispettivamente la risultante $\mathrm{e}$ il momento risultante del sistema di forze che la porzione $\mathscr{P}_1$ esercita su $\mathscr{P}_2$ attraverso $\Delta A$, Fig. 14.2c. &#10;&#10;Si ipotizza che esistano i limiti &#10;&#10;$$\mathbf{t}=\lim _{\Delta A \rightarrow 0} \frac{\Delta \mathbf{F}}{\Delta A}, \quad \lim _{\Delta A \rightarrow 0} \frac{\Delta \mathbf{M}}{\Delta A_n}=\mathbf{0}$$&#10;&#10;\end{document}"/>
+  <p:tag name="LATEXADDIN" val="\documentclass{article}&#10;\usepackage{amsmath,bbm,mathrsfs}&#10;\setlength\parindent{0em}&#10;\usepackage{geometry}&#10;\geometry{textwidth=10cm}&#10;\setlength\parskip{1em}&#10;\pagestyle{empty}&#10;\begin{document}&#10;&#10;&#10;Si effettui una sezione del corpo continuo con un piano $\pi$ di normale $\mathbf{n}$.&#10;&#10;Questa sezione individua all'interno del corpo una superficie di separazione tra le due parti. Questa superficie rappresenta la porzione di frontiera che le due parti hanno in comune.&#10;&#10;Indichiamo con $\mathscr P_1$ la parte rispetto alla quale $\mathbf n$ rappresenta la normale uscente, e con $\mathscr P_2$ la parte rimanente.&#10;&#10;&#10;&#10;\end{document}"/>
   <p:tag name="IGUANATEXSIZE" val="20"/>
-  <p:tag name="IGUANATEXCURSOR" val="455"/>
+  <p:tag name="IGUANATEXCURSOR" val="584"/>
   <p:tag name="TRANSPARENCY" val="True"/>
   <p:tag name="LATEXENGINEID" val="0"/>
   <p:tag name="TEMPFOLDER" val="/private/var/folders/bl/qr6kzqqj6dq26b3546l3vykm0000gn/T/com.microsoft.Powerpoint/TemporaryItems/"/>
@@ -10005,9 +10096,9 @@
   <p:tag name="ORIGINALWIDTH" val="283"/>
   <p:tag name="OUTPUTTYPE" val="PDF"/>
   <p:tag name="IGUANATEXVERSION" val="160"/>
-  <p:tag name="LATEXADDIN" val="\documentclass{article}&#10;\usepackage{amsmath,bbm,mathrsfs}&#10;\setlength\parindent{0em}&#10;\usepackage{geometry}&#10;\geometry{textwidth=10cm}&#10;\setlength\parskip{1em}&#10;\pagestyle{empty}&#10;\begin{document}&#10;&#10;Quando la normale $\mathbf n$ \`e diretta lungo l'asse $z$, il vettore tensione  si indica con il simbolo $\mathbf t_z$ anzich\'e $\mathbf t_{k}$, e le sue componenti si scrivono:&#10;$$&#10;\mathbf{t}_z=\left[\begin{array}{c}&#10;\tau_{z x} \\&#10;\tau_{z y} \\&#10;\sigma_z&#10;\end{array}\right]&#10;$$&#10;&#10;&#10;\end{document}"/>
+  <p:tag name="LATEXADDIN" val="\documentclass{article}&#10;\usepackage{amsmath,bbm,mathrsfs}&#10;\setlength\parindent{0em}&#10;\usepackage{geometry}&#10;\geometry{textwidth=10cm}&#10;\setlength\parskip{1em}&#10;\pagestyle{empty}&#10;\begin{document}&#10;&#10;Quando la normale $\mathbf n$ \`e diretta lungo l'asse $z$, il vettore tensione  si indica con il simbolo $\mathbf t_z$, e le sue componenti si scrivono:&#10;$$&#10;\mathbf{t}_z=\left[\begin{array}{c}&#10;\tau_{z x} \\&#10;\tau_{z y} \\&#10;\sigma_z&#10;\end{array}\right]&#10;$$&#10;&#10;&#10;\end{document}"/>
   <p:tag name="IGUANATEXSIZE" val="20"/>
-  <p:tag name="IGUANATEXCURSOR" val="371"/>
+  <p:tag name="IGUANATEXCURSOR" val="311"/>
   <p:tag name="TRANSPARENCY" val="True"/>
   <p:tag name="LATEXENGINEID" val="0"/>
   <p:tag name="TEMPFOLDER" val="/private/var/folders/bl/qr6kzqqj6dq26b3546l3vykm0000gn/T/com.microsoft.Powerpoint/TemporaryItems/"/>
@@ -10181,13 +10272,13 @@
 <file path=ppt/tags/tag2.xml><?xml version="1.0" encoding="utf-8"?>
 <p:tagLst xmlns:a="http://schemas.openxmlformats.org/drawingml/2006/main" xmlns:r="http://schemas.openxmlformats.org/officeDocument/2006/relationships" xmlns:p="http://schemas.openxmlformats.org/presentationml/2006/main">
   <p:tag name="OUTPUTDPI" val="1200"/>
-  <p:tag name="ORIGINALHEIGHT" val="101"/>
-  <p:tag name="ORIGINALWIDTH" val="283"/>
+  <p:tag name="ORIGINALHEIGHT" val="110"/>
+  <p:tag name="ORIGINALWIDTH" val="227"/>
   <p:tag name="OUTPUTTYPE" val="PDF"/>
   <p:tag name="IGUANATEXVERSION" val="160"/>
-  <p:tag name="LATEXADDIN" val="\documentclass{article}&#10;\usepackage{amsmath,bbm,mathrsfs}&#10;\setlength\parindent{0em}&#10;\usepackage{geometry}&#10;\geometry{textwidth=10cm}&#10;\setlength\parskip{1em}&#10;\pagestyle{empty}&#10;\begin{document}&#10;&#10;&#10;Si effettui una sezione del corpo continuo con un piano $\pi$ di normale $\mathbf{n}$.&#10;&#10;Questa sezione individua all'interno del corpo una superficie di separazione tra le due parti. Questa superficie rappresenta la porzione di frontiera che le due parti hanno in comune.&#10;&#10;Indichiamo con $\mathscr P_1$ la parte rispetto alla quale $\mathbf n$ rappresenta la normale uscente, e con $\mathcal P_2$ la parte rimanente.&#10;&#10;&#10;&#10;\end{document}"/>
+  <p:tag name="LATEXADDIN" val="\documentclass{article}&#10;\usepackage{amsmath,bbm,mathrsfs}&#10;\setlength\parindent{0em}&#10;\usepackage{geometry}&#10;\geometry{textwidth=8cm}&#10;\setlength\parskip{1em}&#10;\pagestyle{empty}&#10;\begin{document}&#10;&#10;&#10;&#10;Dato un punto $P$ di $\pi$, di area $\Delta A$, siano $\Delta \mathbf{F}$ e $\Delta \mathbf{M}$ rispettivamente la risultante $\mathrm{e}$ il momento risultante del sistema di forze che la porzione $\mathscr{P}_1$ esercita su $\mathscr{P}_2$ attraverso $\Delta A$, Fig. 14.2c. &#10;&#10;Si ipotizza che esistano i limiti &#10;&#10;$$\mathbf{t}=\lim _{\Delta A \rightarrow 0} \frac{\Delta \mathbf{F}}{\Delta A}, \quad \lim _{\Delta A \rightarrow 0} \frac{\Delta \mathbf{M}}{\Delta A_n}=\mathbf{0}$$&#10;&#10;\end{document}"/>
   <p:tag name="IGUANATEXSIZE" val="20"/>
-  <p:tag name="IGUANATEXCURSOR" val="253"/>
+  <p:tag name="IGUANATEXCURSOR" val="455"/>
   <p:tag name="TRANSPARENCY" val="True"/>
   <p:tag name="LATEXENGINEID" val="0"/>
   <p:tag name="TEMPFOLDER" val="/private/var/folders/bl/qr6kzqqj6dq26b3546l3vykm0000gn/T/com.microsoft.Powerpoint/TemporaryItems/"/>
